--- a/PPT/05 Base of VBS.pptx
+++ b/PPT/05 Base of VBS.pptx
@@ -164,7 +164,7 @@
   </p:defaultTextStyle>
   <p:extLst>
     <p:ext uri="{EFAFB233-063F-42B5-8137-9DF3F51BA10A}">
-      <p15:sldGuideLst xmlns:p15="http://schemas.microsoft.com/office/powerpoint/2012/main">
+      <p15:sldGuideLst xmlns:p15="http://schemas.microsoft.com/office/powerpoint/2012/main" xmlns="">
         <p15:guide id="1" orient="horz" pos="2160">
           <p15:clr>
             <a:srgbClr val="A4A3A4"/>
@@ -2553,7 +2553,7 @@
           <a:p>
             <a:fld id="{AC305B9E-BD77-4D0C-8B11-D405776170DD}" type="datetimeFigureOut">
               <a:rPr lang="zh-CN" altLang="en-US" smtClean="0"/>
-              <a:t>2017/9/6</a:t>
+              <a:t>2017/9/7</a:t>
             </a:fld>
             <a:endParaRPr lang="zh-CN" altLang="en-US"/>
           </a:p>
@@ -7950,7 +7950,7 @@
           <a:p>
             <a:fld id="{530820CF-B880-4189-942D-D702A7CBA730}" type="datetimeFigureOut">
               <a:rPr lang="zh-CN" altLang="en-US" smtClean="0"/>
-              <a:t>2017/9/6</a:t>
+              <a:t>2017/9/7</a:t>
             </a:fld>
             <a:endParaRPr lang="zh-CN" altLang="en-US"/>
           </a:p>
@@ -10380,7 +10380,7 @@
           <a:p>
             <a:fld id="{530820CF-B880-4189-942D-D702A7CBA730}" type="datetimeFigureOut">
               <a:rPr lang="zh-CN" altLang="en-US" smtClean="0"/>
-              <a:t>2017/9/6</a:t>
+              <a:t>2017/9/7</a:t>
             </a:fld>
             <a:endParaRPr lang="zh-CN" altLang="en-US"/>
           </a:p>
@@ -12300,7 +12300,7 @@
           <a:p>
             <a:fld id="{530820CF-B880-4189-942D-D702A7CBA730}" type="datetimeFigureOut">
               <a:rPr lang="zh-CN" altLang="en-US" smtClean="0"/>
-              <a:t>2017/9/6</a:t>
+              <a:t>2017/9/7</a:t>
             </a:fld>
             <a:endParaRPr lang="zh-CN" altLang="en-US"/>
           </a:p>
@@ -12741,30 +12741,6 @@
           </a:p>
         </p:txBody>
       </p:sp>
-      <p:pic>
-        <p:nvPicPr>
-          <p:cNvPr id="4" name="图片 3"/>
-          <p:cNvPicPr>
-            <a:picLocks noChangeAspect="1"/>
-          </p:cNvPicPr>
-          <p:nvPr/>
-        </p:nvPicPr>
-        <p:blipFill>
-          <a:blip r:embed="rId3"/>
-          <a:stretch>
-            <a:fillRect/>
-          </a:stretch>
-        </p:blipFill>
-        <p:spPr>
-          <a:xfrm>
-            <a:off x="5652120" y="116632"/>
-            <a:ext cx="3428571" cy="685714"/>
-          </a:xfrm>
-          <a:prstGeom prst="rect">
-            <a:avLst/>
-          </a:prstGeom>
-        </p:spPr>
-      </p:pic>
     </p:spTree>
     <p:extLst>
       <p:ext uri="{BB962C8B-B14F-4D97-AF65-F5344CB8AC3E}">

--- a/PPT/05 Base of VBS.pptx
+++ b/PPT/05 Base of VBS.pptx
@@ -164,7 +164,7 @@
   </p:defaultTextStyle>
   <p:extLst>
     <p:ext uri="{EFAFB233-063F-42B5-8137-9DF3F51BA10A}">
-      <p15:sldGuideLst xmlns:p15="http://schemas.microsoft.com/office/powerpoint/2012/main" xmlns="">
+      <p15:sldGuideLst xmlns="" xmlns:p15="http://schemas.microsoft.com/office/powerpoint/2012/main">
         <p15:guide id="1" orient="horz" pos="2160">
           <p15:clr>
             <a:srgbClr val="A4A3A4"/>
@@ -1272,6 +1272,351 @@
       <dsp:cNvGrpSpPr/>
     </dsp:nvGrpSpPr>
     <dsp:grpSpPr/>
+    <dsp:sp modelId="{0C40C1B0-37BD-4FC6-8C1F-1C76D95E00AF}">
+      <dsp:nvSpPr>
+        <dsp:cNvPr id="0" name=""/>
+        <dsp:cNvSpPr/>
+      </dsp:nvSpPr>
+      <dsp:spPr>
+        <a:xfrm>
+          <a:off x="1293" y="943895"/>
+          <a:ext cx="2053027" cy="1414535"/>
+        </a:xfrm>
+        <a:prstGeom prst="roundRect">
+          <a:avLst/>
+        </a:prstGeom>
+        <a:solidFill>
+          <a:schemeClr val="accent2">
+            <a:hueOff val="0"/>
+            <a:satOff val="0"/>
+            <a:lumOff val="0"/>
+            <a:alphaOff val="0"/>
+          </a:schemeClr>
+        </a:solidFill>
+        <a:ln w="25400" cap="flat" cmpd="sng" algn="ctr">
+          <a:solidFill>
+            <a:schemeClr val="lt1">
+              <a:hueOff val="0"/>
+              <a:satOff val="0"/>
+              <a:lumOff val="0"/>
+              <a:alphaOff val="0"/>
+            </a:schemeClr>
+          </a:solidFill>
+          <a:prstDash val="solid"/>
+        </a:ln>
+        <a:effectLst/>
+      </dsp:spPr>
+      <dsp:style>
+        <a:lnRef idx="2">
+          <a:scrgbClr r="0" g="0" b="0"/>
+        </a:lnRef>
+        <a:fillRef idx="1">
+          <a:scrgbClr r="0" g="0" b="0"/>
+        </a:fillRef>
+        <a:effectRef idx="0">
+          <a:scrgbClr r="0" g="0" b="0"/>
+        </a:effectRef>
+        <a:fontRef idx="minor">
+          <a:schemeClr val="lt1"/>
+        </a:fontRef>
+      </dsp:style>
+    </dsp:sp>
+    <dsp:sp modelId="{0EB36C2F-98A2-4F42-89A1-4632C926B58E}">
+      <dsp:nvSpPr>
+        <dsp:cNvPr id="0" name=""/>
+        <dsp:cNvSpPr/>
+      </dsp:nvSpPr>
+      <dsp:spPr>
+        <a:xfrm>
+          <a:off x="1293" y="2358431"/>
+          <a:ext cx="2053027" cy="761673"/>
+        </a:xfrm>
+        <a:prstGeom prst="rect">
+          <a:avLst/>
+        </a:prstGeom>
+        <a:noFill/>
+        <a:ln>
+          <a:noFill/>
+        </a:ln>
+        <a:effectLst/>
+      </dsp:spPr>
+      <dsp:style>
+        <a:lnRef idx="0">
+          <a:scrgbClr r="0" g="0" b="0"/>
+        </a:lnRef>
+        <a:fillRef idx="0">
+          <a:scrgbClr r="0" g="0" b="0"/>
+        </a:fillRef>
+        <a:effectRef idx="0">
+          <a:scrgbClr r="0" g="0" b="0"/>
+        </a:effectRef>
+        <a:fontRef idx="minor"/>
+      </dsp:style>
+      <dsp:txBody>
+        <a:bodyPr spcFirstLastPara="0" vert="horz" wrap="square" lIns="128016" tIns="128016" rIns="128016" bIns="0" numCol="1" spcCol="1270" anchor="t" anchorCtr="0">
+          <a:noAutofit/>
+        </a:bodyPr>
+        <a:lstStyle/>
+        <a:p>
+          <a:pPr lvl="0" algn="ctr" defTabSz="800100">
+            <a:lnSpc>
+              <a:spcPct val="90000"/>
+            </a:lnSpc>
+            <a:spcBef>
+              <a:spcPct val="0"/>
+            </a:spcBef>
+            <a:spcAft>
+              <a:spcPct val="35000"/>
+            </a:spcAft>
+          </a:pPr>
+          <a:r>
+            <a:rPr lang="en-US" altLang="zh-CN" sz="1800" kern="1200" dirty="0" err="1" smtClean="0">
+              <a:latin typeface="黑体" pitchFamily="2" charset="-122"/>
+              <a:ea typeface="黑体" pitchFamily="2" charset="-122"/>
+            </a:rPr>
+            <a:t>RegExp</a:t>
+          </a:r>
+          <a:endParaRPr lang="zh-CN" altLang="en-US" sz="1800" kern="1200" dirty="0">
+            <a:latin typeface="黑体" pitchFamily="2" charset="-122"/>
+            <a:ea typeface="黑体" pitchFamily="2" charset="-122"/>
+          </a:endParaRPr>
+        </a:p>
+      </dsp:txBody>
+      <dsp:txXfrm>
+        <a:off x="1293" y="2358431"/>
+        <a:ext cx="2053027" cy="761673"/>
+      </dsp:txXfrm>
+    </dsp:sp>
+    <dsp:sp modelId="{B6EAC600-66DA-4AA9-8597-CB7BF9781AE2}">
+      <dsp:nvSpPr>
+        <dsp:cNvPr id="0" name=""/>
+        <dsp:cNvSpPr/>
+      </dsp:nvSpPr>
+      <dsp:spPr>
+        <a:xfrm>
+          <a:off x="2259710" y="943895"/>
+          <a:ext cx="2053027" cy="1414535"/>
+        </a:xfrm>
+        <a:prstGeom prst="roundRect">
+          <a:avLst/>
+        </a:prstGeom>
+        <a:solidFill>
+          <a:schemeClr val="accent2">
+            <a:hueOff val="2340759"/>
+            <a:satOff val="-2919"/>
+            <a:lumOff val="686"/>
+            <a:alphaOff val="0"/>
+          </a:schemeClr>
+        </a:solidFill>
+        <a:ln w="25400" cap="flat" cmpd="sng" algn="ctr">
+          <a:solidFill>
+            <a:schemeClr val="lt1">
+              <a:hueOff val="0"/>
+              <a:satOff val="0"/>
+              <a:lumOff val="0"/>
+              <a:alphaOff val="0"/>
+            </a:schemeClr>
+          </a:solidFill>
+          <a:prstDash val="solid"/>
+        </a:ln>
+        <a:effectLst/>
+      </dsp:spPr>
+      <dsp:style>
+        <a:lnRef idx="2">
+          <a:scrgbClr r="0" g="0" b="0"/>
+        </a:lnRef>
+        <a:fillRef idx="1">
+          <a:scrgbClr r="0" g="0" b="0"/>
+        </a:fillRef>
+        <a:effectRef idx="0">
+          <a:scrgbClr r="0" g="0" b="0"/>
+        </a:effectRef>
+        <a:fontRef idx="minor">
+          <a:schemeClr val="lt1"/>
+        </a:fontRef>
+      </dsp:style>
+    </dsp:sp>
+    <dsp:sp modelId="{F38A71F0-22CC-4B07-9D43-088606766D0C}">
+      <dsp:nvSpPr>
+        <dsp:cNvPr id="0" name=""/>
+        <dsp:cNvSpPr/>
+      </dsp:nvSpPr>
+      <dsp:spPr>
+        <a:xfrm>
+          <a:off x="2259710" y="2358431"/>
+          <a:ext cx="2053027" cy="761673"/>
+        </a:xfrm>
+        <a:prstGeom prst="rect">
+          <a:avLst/>
+        </a:prstGeom>
+        <a:noFill/>
+        <a:ln>
+          <a:noFill/>
+        </a:ln>
+        <a:effectLst/>
+      </dsp:spPr>
+      <dsp:style>
+        <a:lnRef idx="0">
+          <a:scrgbClr r="0" g="0" b="0"/>
+        </a:lnRef>
+        <a:fillRef idx="0">
+          <a:scrgbClr r="0" g="0" b="0"/>
+        </a:fillRef>
+        <a:effectRef idx="0">
+          <a:scrgbClr r="0" g="0" b="0"/>
+        </a:effectRef>
+        <a:fontRef idx="minor"/>
+      </dsp:style>
+      <dsp:txBody>
+        <a:bodyPr spcFirstLastPara="0" vert="horz" wrap="square" lIns="128016" tIns="128016" rIns="128016" bIns="0" numCol="1" spcCol="1270" anchor="t" anchorCtr="0">
+          <a:noAutofit/>
+        </a:bodyPr>
+        <a:lstStyle/>
+        <a:p>
+          <a:pPr lvl="0" algn="ctr" defTabSz="800100">
+            <a:lnSpc>
+              <a:spcPct val="90000"/>
+            </a:lnSpc>
+            <a:spcBef>
+              <a:spcPct val="0"/>
+            </a:spcBef>
+            <a:spcAft>
+              <a:spcPct val="35000"/>
+            </a:spcAft>
+          </a:pPr>
+          <a:r>
+            <a:rPr lang="en-US" altLang="zh-CN" sz="1800" kern="1200" dirty="0" err="1" smtClean="0">
+              <a:latin typeface="黑体" pitchFamily="2" charset="-122"/>
+              <a:ea typeface="黑体" pitchFamily="2" charset="-122"/>
+            </a:rPr>
+            <a:t>MatchCollection</a:t>
+          </a:r>
+          <a:endParaRPr lang="zh-CN" altLang="en-US" sz="1800" kern="1200" dirty="0">
+            <a:latin typeface="黑体" pitchFamily="2" charset="-122"/>
+            <a:ea typeface="黑体" pitchFamily="2" charset="-122"/>
+          </a:endParaRPr>
+        </a:p>
+      </dsp:txBody>
+      <dsp:txXfrm>
+        <a:off x="2259710" y="2358431"/>
+        <a:ext cx="2053027" cy="761673"/>
+      </dsp:txXfrm>
+    </dsp:sp>
+    <dsp:sp modelId="{189B8DE3-9B2E-46F9-B57B-08A202842573}">
+      <dsp:nvSpPr>
+        <dsp:cNvPr id="0" name=""/>
+        <dsp:cNvSpPr/>
+      </dsp:nvSpPr>
+      <dsp:spPr>
+        <a:xfrm>
+          <a:off x="4518126" y="943895"/>
+          <a:ext cx="2053027" cy="1414535"/>
+        </a:xfrm>
+        <a:prstGeom prst="roundRect">
+          <a:avLst/>
+        </a:prstGeom>
+        <a:solidFill>
+          <a:schemeClr val="accent2">
+            <a:hueOff val="4681519"/>
+            <a:satOff val="-5839"/>
+            <a:lumOff val="1373"/>
+            <a:alphaOff val="0"/>
+          </a:schemeClr>
+        </a:solidFill>
+        <a:ln w="25400" cap="flat" cmpd="sng" algn="ctr">
+          <a:solidFill>
+            <a:schemeClr val="lt1">
+              <a:hueOff val="0"/>
+              <a:satOff val="0"/>
+              <a:lumOff val="0"/>
+              <a:alphaOff val="0"/>
+            </a:schemeClr>
+          </a:solidFill>
+          <a:prstDash val="solid"/>
+        </a:ln>
+        <a:effectLst/>
+      </dsp:spPr>
+      <dsp:style>
+        <a:lnRef idx="2">
+          <a:scrgbClr r="0" g="0" b="0"/>
+        </a:lnRef>
+        <a:fillRef idx="1">
+          <a:scrgbClr r="0" g="0" b="0"/>
+        </a:fillRef>
+        <a:effectRef idx="0">
+          <a:scrgbClr r="0" g="0" b="0"/>
+        </a:effectRef>
+        <a:fontRef idx="minor">
+          <a:schemeClr val="lt1"/>
+        </a:fontRef>
+      </dsp:style>
+    </dsp:sp>
+    <dsp:sp modelId="{58DC126D-3238-4089-A896-5D4CAEC0D6E3}">
+      <dsp:nvSpPr>
+        <dsp:cNvPr id="0" name=""/>
+        <dsp:cNvSpPr/>
+      </dsp:nvSpPr>
+      <dsp:spPr>
+        <a:xfrm>
+          <a:off x="4518126" y="2358431"/>
+          <a:ext cx="2053027" cy="761673"/>
+        </a:xfrm>
+        <a:prstGeom prst="rect">
+          <a:avLst/>
+        </a:prstGeom>
+        <a:noFill/>
+        <a:ln>
+          <a:noFill/>
+        </a:ln>
+        <a:effectLst/>
+      </dsp:spPr>
+      <dsp:style>
+        <a:lnRef idx="0">
+          <a:scrgbClr r="0" g="0" b="0"/>
+        </a:lnRef>
+        <a:fillRef idx="0">
+          <a:scrgbClr r="0" g="0" b="0"/>
+        </a:fillRef>
+        <a:effectRef idx="0">
+          <a:scrgbClr r="0" g="0" b="0"/>
+        </a:effectRef>
+        <a:fontRef idx="minor"/>
+      </dsp:style>
+      <dsp:txBody>
+        <a:bodyPr spcFirstLastPara="0" vert="horz" wrap="square" lIns="128016" tIns="128016" rIns="128016" bIns="0" numCol="1" spcCol="1270" anchor="t" anchorCtr="0">
+          <a:noAutofit/>
+        </a:bodyPr>
+        <a:lstStyle/>
+        <a:p>
+          <a:pPr lvl="0" algn="ctr" defTabSz="800100">
+            <a:lnSpc>
+              <a:spcPct val="90000"/>
+            </a:lnSpc>
+            <a:spcBef>
+              <a:spcPct val="0"/>
+            </a:spcBef>
+            <a:spcAft>
+              <a:spcPct val="35000"/>
+            </a:spcAft>
+          </a:pPr>
+          <a:r>
+            <a:rPr lang="en-US" altLang="zh-CN" sz="1800" kern="1200" dirty="0" smtClean="0">
+              <a:latin typeface="黑体" pitchFamily="2" charset="-122"/>
+              <a:ea typeface="黑体" pitchFamily="2" charset="-122"/>
+            </a:rPr>
+            <a:t>Match</a:t>
+          </a:r>
+          <a:endParaRPr lang="zh-CN" altLang="en-US" sz="1800" kern="1200" dirty="0">
+            <a:latin typeface="黑体" pitchFamily="2" charset="-122"/>
+            <a:ea typeface="黑体" pitchFamily="2" charset="-122"/>
+          </a:endParaRPr>
+        </a:p>
+      </dsp:txBody>
+      <dsp:txXfrm>
+        <a:off x="4518126" y="2358431"/>
+        <a:ext cx="2053027" cy="761673"/>
+      </dsp:txXfrm>
+    </dsp:sp>
   </dsp:spTree>
 </dsp:drawing>
 </file>
@@ -23647,24 +23992,14 @@
               <a:defRPr/>
             </a:pPr>
             <a:r>
-              <a:rPr lang="zh-CN" altLang="en-US" sz="2800" b="1" dirty="0">
+              <a:rPr lang="en-US" altLang="zh-CN" sz="2800" b="1" smtClean="0">
                 <a:solidFill>
                   <a:srgbClr val="C00000"/>
                 </a:solidFill>
                 <a:ea typeface="宋体" pitchFamily="2" charset="-122"/>
               </a:rPr>
-              <a:t>函数名称＝某值 ‘用来返回值</a:t>
-            </a:r>
-          </a:p>
-          <a:p>
-            <a:pPr marL="1879600" indent="0" eaLnBrk="1" hangingPunct="1">
-              <a:lnSpc>
-                <a:spcPct val="90000"/>
-              </a:lnSpc>
-              <a:buFont typeface="Arial" pitchFamily="34" charset="0"/>
-              <a:buNone/>
-              <a:defRPr/>
-            </a:pPr>
+              <a:t>end</a:t>
+            </a:r>
             <a:r>
               <a:rPr lang="en-US" altLang="zh-CN" sz="2800" b="1" dirty="0">
                 <a:solidFill>
@@ -23672,7 +24007,7 @@
                 </a:solidFill>
                 <a:ea typeface="宋体" pitchFamily="2" charset="-122"/>
               </a:rPr>
-              <a:t>end  </a:t>
+              <a:t>  </a:t>
             </a:r>
             <a:r>
               <a:rPr lang="en-US" altLang="zh-CN" sz="2800" b="1" dirty="0" smtClean="0">
